--- a/Project 3 - Final Presentation.pptx
+++ b/Project 3 - Final Presentation.pptx
@@ -7,15 +7,16 @@
   <p:sldIdLst>
     <p:sldId id="256" r:id="rId2"/>
     <p:sldId id="257" r:id="rId3"/>
-    <p:sldId id="258" r:id="rId4"/>
-    <p:sldId id="260" r:id="rId5"/>
-    <p:sldId id="261" r:id="rId6"/>
-    <p:sldId id="262" r:id="rId7"/>
-    <p:sldId id="263" r:id="rId8"/>
-    <p:sldId id="264" r:id="rId9"/>
-    <p:sldId id="265" r:id="rId10"/>
-    <p:sldId id="266" r:id="rId11"/>
-    <p:sldId id="259" r:id="rId12"/>
+    <p:sldId id="259" r:id="rId4"/>
+    <p:sldId id="258" r:id="rId5"/>
+    <p:sldId id="260" r:id="rId6"/>
+    <p:sldId id="261" r:id="rId7"/>
+    <p:sldId id="262" r:id="rId8"/>
+    <p:sldId id="263" r:id="rId9"/>
+    <p:sldId id="264" r:id="rId10"/>
+    <p:sldId id="265" r:id="rId11"/>
+    <p:sldId id="266" r:id="rId12"/>
+    <p:sldId id="267" r:id="rId13"/>
   </p:sldIdLst>
   <p:sldSz cx="12192000" cy="6858000"/>
   <p:notesSz cx="6858000" cy="9144000"/>
@@ -118,7 +119,7 @@
 </file>
 
 <file path=ppt/slideLayouts/slideLayout1.xml><?xml version="1.0" encoding="utf-8"?>
-<p:sldLayout xmlns:a="http://schemas.openxmlformats.org/drawingml/2006/main" xmlns:r="http://schemas.openxmlformats.org/officeDocument/2006/relationships" xmlns:p="http://schemas.openxmlformats.org/presentationml/2006/main" showMasterSp="0" type="title" preserve="1">
+<p:sldLayout xmlns:a="http://schemas.openxmlformats.org/drawingml/2006/main" xmlns:r="http://schemas.openxmlformats.org/officeDocument/2006/relationships" xmlns:p="http://schemas.openxmlformats.org/presentationml/2006/main" type="title" preserve="1">
   <p:cSld name="Title Slide">
     <p:spTree>
       <p:nvGrpSpPr>
@@ -2005,7 +2006,7 @@
 </file>
 
 <file path=ppt/slideLayouts/slideLayout7.xml><?xml version="1.0" encoding="utf-8"?>
-<p:sldLayout xmlns:a="http://schemas.openxmlformats.org/drawingml/2006/main" xmlns:r="http://schemas.openxmlformats.org/officeDocument/2006/relationships" xmlns:p="http://schemas.openxmlformats.org/presentationml/2006/main" showMasterSp="0" type="blank" preserve="1">
+<p:sldLayout xmlns:a="http://schemas.openxmlformats.org/drawingml/2006/main" xmlns:r="http://schemas.openxmlformats.org/officeDocument/2006/relationships" xmlns:p="http://schemas.openxmlformats.org/presentationml/2006/main" type="blank" preserve="1">
   <p:cSld name="Blank">
     <p:spTree>
       <p:nvGrpSpPr>
@@ -2660,9 +2661,29 @@
 <p:sldMaster xmlns:a="http://schemas.openxmlformats.org/drawingml/2006/main" xmlns:r="http://schemas.openxmlformats.org/officeDocument/2006/relationships" xmlns:p="http://schemas.openxmlformats.org/presentationml/2006/main">
   <p:cSld>
     <p:bg>
-      <p:bgRef idx="1001">
-        <a:schemeClr val="bg1"/>
-      </p:bgRef>
+      <p:bgPr>
+        <a:blipFill dpi="0" rotWithShape="1">
+          <a:blip r:embed="rId13">
+            <a:extLst>
+              <a:ext uri="{BEBA8EAE-BF5A-486C-A8C5-ECC9F3942E4B}">
+                <a14:imgProps xmlns:a14="http://schemas.microsoft.com/office/drawing/2010/main">
+                  <a14:imgLayer r:embed="rId14">
+                    <a14:imgEffect>
+                      <a14:colorTemperature colorTemp="3080"/>
+                    </a14:imgEffect>
+                    <a14:imgEffect>
+                      <a14:saturation sat="30000"/>
+                    </a14:imgEffect>
+                  </a14:imgLayer>
+                </a14:imgProps>
+              </a:ext>
+            </a:extLst>
+          </a:blip>
+          <a:srcRect/>
+          <a:tile tx="0" ty="0" sx="100000" sy="100000" flip="none" algn="tl"/>
+        </a:blipFill>
+        <a:effectLst/>
+      </p:bgPr>
     </p:bg>
     <p:spTree>
       <p:nvGrpSpPr>
@@ -3375,66 +3396,6 @@
           <a:chExt cx="0" cy="0"/>
         </a:xfrm>
       </p:grpSpPr>
-      <p:sp useBgFill="1">
-        <p:nvSpPr>
-          <p:cNvPr id="10" name="Rectangle 9">
-            <a:extLst>
-              <a:ext uri="{FF2B5EF4-FFF2-40B4-BE49-F238E27FC236}">
-                <a16:creationId xmlns:a16="http://schemas.microsoft.com/office/drawing/2014/main" id="{BC512124-0D13-4ED9-80B7-52AE15B6B41F}"/>
-              </a:ext>
-              <a:ext uri="{C183D7F6-B498-43B3-948B-1728B52AA6E4}">
-                <adec:decorative xmlns:adec="http://schemas.microsoft.com/office/drawing/2017/decorative" val="1"/>
-              </a:ext>
-            </a:extLst>
-          </p:cNvPr>
-          <p:cNvSpPr>
-            <a:spLocks noGrp="1" noRot="1" noChangeAspect="1" noMove="1" noResize="1" noEditPoints="1" noAdjustHandles="1" noChangeArrowheads="1" noChangeShapeType="1" noTextEdit="1"/>
-          </p:cNvSpPr>
-          <p:nvPr>
-            <p:extLst>
-              <p:ext uri="{386F3935-93C4-4BCD-93E2-E3B085C9AB24}">
-                <p16:designElem xmlns:p16="http://schemas.microsoft.com/office/powerpoint/2015/main" val="1"/>
-              </p:ext>
-            </p:extLst>
-          </p:nvPr>
-        </p:nvSpPr>
-        <p:spPr>
-          <a:xfrm>
-            <a:off x="0" y="0"/>
-            <a:ext cx="12192000" cy="6858000"/>
-          </a:xfrm>
-          <a:prstGeom prst="rect">
-            <a:avLst/>
-          </a:prstGeom>
-          <a:ln>
-            <a:noFill/>
-          </a:ln>
-        </p:spPr>
-        <p:style>
-          <a:lnRef idx="2">
-            <a:schemeClr val="accent1">
-              <a:shade val="50000"/>
-            </a:schemeClr>
-          </a:lnRef>
-          <a:fillRef idx="1">
-            <a:schemeClr val="accent1"/>
-          </a:fillRef>
-          <a:effectRef idx="0">
-            <a:schemeClr val="accent1"/>
-          </a:effectRef>
-          <a:fontRef idx="minor">
-            <a:schemeClr val="lt1"/>
-          </a:fontRef>
-        </p:style>
-        <p:txBody>
-          <a:bodyPr rtlCol="0" anchor="ctr"/>
-          <a:lstStyle/>
-          <a:p>
-            <a:pPr algn="ctr"/>
-            <a:endParaRPr lang="en-US"/>
-          </a:p>
-        </p:txBody>
-      </p:sp>
       <p:pic>
         <p:nvPicPr>
           <p:cNvPr id="5" name="Picture 4" descr="A person speaking into a microphone&#10;&#10;Description automatically generated with low confidence">
@@ -3479,13 +3440,13 @@
             <a:spLocks noGrp="1"/>
           </p:cNvSpPr>
           <p:nvPr>
-            <p:ph type="ctrTitle"/>
+            <p:ph type="ctrTitle" idx="4294967295"/>
           </p:nvPr>
         </p:nvSpPr>
         <p:spPr>
           <a:xfrm>
-            <a:off x="1069847" y="758952"/>
-            <a:ext cx="9055227" cy="3794760"/>
+            <a:off x="0" y="758825"/>
+            <a:ext cx="9055100" cy="3794125"/>
           </a:xfrm>
         </p:spPr>
         <p:txBody>
@@ -3521,13 +3482,13 @@
             <a:spLocks noGrp="1"/>
           </p:cNvSpPr>
           <p:nvPr>
-            <p:ph type="subTitle" idx="1"/>
+            <p:ph type="subTitle" idx="4294967295"/>
           </p:nvPr>
         </p:nvSpPr>
         <p:spPr>
           <a:xfrm>
-            <a:off x="1100015" y="4670246"/>
-            <a:ext cx="7315200" cy="1419658"/>
+            <a:off x="0" y="4670425"/>
+            <a:ext cx="7315200" cy="1419225"/>
           </a:xfrm>
         </p:spPr>
         <p:txBody>
@@ -3566,120 +3527,6 @@
             </a:r>
           </a:p>
         </p:txBody>
-      </p:sp>
-      <p:sp>
-        <p:nvSpPr>
-          <p:cNvPr id="12" name="Rectangle 11">
-            <a:extLst>
-              <a:ext uri="{FF2B5EF4-FFF2-40B4-BE49-F238E27FC236}">
-                <a16:creationId xmlns:a16="http://schemas.microsoft.com/office/drawing/2014/main" id="{D4ABACDC-BD54-40F3-9047-8298C77C2DD6}"/>
-              </a:ext>
-              <a:ext uri="{C183D7F6-B498-43B3-948B-1728B52AA6E4}">
-                <adec:decorative xmlns:adec="http://schemas.microsoft.com/office/drawing/2017/decorative" val="1"/>
-              </a:ext>
-            </a:extLst>
-          </p:cNvPr>
-          <p:cNvSpPr>
-            <a:spLocks noGrp="1" noRot="1" noChangeAspect="1" noMove="1" noResize="1" noEditPoints="1" noAdjustHandles="1" noChangeArrowheads="1" noChangeShapeType="1" noTextEdit="1"/>
-          </p:cNvSpPr>
-          <p:nvPr>
-            <p:extLst>
-              <p:ext uri="{386F3935-93C4-4BCD-93E2-E3B085C9AB24}">
-                <p16:designElem xmlns:p16="http://schemas.microsoft.com/office/powerpoint/2015/main" val="1"/>
-              </p:ext>
-            </p:extLst>
-          </p:nvPr>
-        </p:nvSpPr>
-        <p:spPr>
-          <a:xfrm>
-            <a:off x="0" y="758952"/>
-            <a:ext cx="384048" cy="5330952"/>
-          </a:xfrm>
-          <a:prstGeom prst="rect">
-            <a:avLst/>
-          </a:prstGeom>
-          <a:solidFill>
-            <a:schemeClr val="accent1">
-              <a:alpha val="90000"/>
-            </a:schemeClr>
-          </a:solidFill>
-          <a:ln>
-            <a:noFill/>
-          </a:ln>
-        </p:spPr>
-        <p:style>
-          <a:lnRef idx="2">
-            <a:schemeClr val="accent1">
-              <a:shade val="50000"/>
-            </a:schemeClr>
-          </a:lnRef>
-          <a:fillRef idx="1">
-            <a:schemeClr val="accent1"/>
-          </a:fillRef>
-          <a:effectRef idx="0">
-            <a:schemeClr val="accent1"/>
-          </a:effectRef>
-          <a:fontRef idx="minor">
-            <a:schemeClr val="lt1"/>
-          </a:fontRef>
-        </p:style>
-      </p:sp>
-      <p:sp>
-        <p:nvSpPr>
-          <p:cNvPr id="14" name="Rectangle 13">
-            <a:extLst>
-              <a:ext uri="{FF2B5EF4-FFF2-40B4-BE49-F238E27FC236}">
-                <a16:creationId xmlns:a16="http://schemas.microsoft.com/office/drawing/2014/main" id="{B76CB7CA-05C2-4EE8-A97F-B5F3A4F89DA4}"/>
-              </a:ext>
-              <a:ext uri="{C183D7F6-B498-43B3-948B-1728B52AA6E4}">
-                <adec:decorative xmlns:adec="http://schemas.microsoft.com/office/drawing/2017/decorative" val="1"/>
-              </a:ext>
-            </a:extLst>
-          </p:cNvPr>
-          <p:cNvSpPr>
-            <a:spLocks noGrp="1" noRot="1" noChangeAspect="1" noMove="1" noResize="1" noEditPoints="1" noAdjustHandles="1" noChangeArrowheads="1" noChangeShapeType="1" noTextEdit="1"/>
-          </p:cNvSpPr>
-          <p:nvPr>
-            <p:extLst>
-              <p:ext uri="{386F3935-93C4-4BCD-93E2-E3B085C9AB24}">
-                <p16:designElem xmlns:p16="http://schemas.microsoft.com/office/powerpoint/2015/main" val="1"/>
-              </p:ext>
-            </p:extLst>
-          </p:nvPr>
-        </p:nvSpPr>
-        <p:spPr>
-          <a:xfrm>
-            <a:off x="11821442" y="758952"/>
-            <a:ext cx="384048" cy="5330952"/>
-          </a:xfrm>
-          <a:prstGeom prst="rect">
-            <a:avLst/>
-          </a:prstGeom>
-          <a:solidFill>
-            <a:srgbClr val="C8C8C8">
-              <a:alpha val="49804"/>
-            </a:srgbClr>
-          </a:solidFill>
-          <a:ln>
-            <a:noFill/>
-          </a:ln>
-        </p:spPr>
-        <p:style>
-          <a:lnRef idx="2">
-            <a:schemeClr val="accent1">
-              <a:shade val="50000"/>
-            </a:schemeClr>
-          </a:lnRef>
-          <a:fillRef idx="1">
-            <a:schemeClr val="accent1"/>
-          </a:fillRef>
-          <a:effectRef idx="0">
-            <a:schemeClr val="accent1"/>
-          </a:effectRef>
-          <a:fontRef idx="minor">
-            <a:schemeClr val="lt1"/>
-          </a:fontRef>
-        </p:style>
       </p:sp>
     </p:spTree>
     <p:extLst>
@@ -3716,6 +3563,162 @@
           <p:cNvPr id="2" name="Title 1">
             <a:extLst>
               <a:ext uri="{FF2B5EF4-FFF2-40B4-BE49-F238E27FC236}">
+                <a16:creationId xmlns:a16="http://schemas.microsoft.com/office/drawing/2014/main" id="{95B5A5EE-D474-B042-B406-F827B98DB6CD}"/>
+              </a:ext>
+            </a:extLst>
+          </p:cNvPr>
+          <p:cNvSpPr>
+            <a:spLocks noGrp="1"/>
+          </p:cNvSpPr>
+          <p:nvPr>
+            <p:ph type="title"/>
+          </p:nvPr>
+        </p:nvSpPr>
+        <p:spPr/>
+        <p:txBody>
+          <a:bodyPr>
+            <a:normAutofit/>
+          </a:bodyPr>
+          <a:lstStyle/>
+          <a:p>
+            <a:pPr algn="ctr"/>
+            <a:r>
+              <a:rPr lang="en-US" sz="3600" dirty="0"/>
+              <a:t>Data Exploratory</a:t>
+            </a:r>
+            <a:br>
+              <a:rPr lang="en-US" sz="3600" dirty="0"/>
+            </a:br>
+            <a:r>
+              <a:rPr lang="en-US" sz="3600" b="1" dirty="0"/>
+              <a:t>﻿</a:t>
+            </a:r>
+            <a:r>
+              <a:rPr lang="en-US" sz="3600" b="1" dirty="0">
+                <a:solidFill>
+                  <a:schemeClr val="accent2">
+                    <a:lumMod val="60000"/>
+                    <a:lumOff val="40000"/>
+                  </a:schemeClr>
+                </a:solidFill>
+              </a:rPr>
+              <a:t> ﻿</a:t>
+            </a:r>
+            <a:r>
+              <a:rPr lang="en-US" sz="3600" b="1" dirty="0"/>
+              <a:t>﻿Count of Dates</a:t>
+            </a:r>
+            <a:br>
+              <a:rPr lang="en-US" sz="3600" dirty="0"/>
+            </a:br>
+            <a:r>
+              <a:rPr lang="en-US" sz="2200" dirty="0"/>
+              <a:t>(Output from Tableau)</a:t>
+            </a:r>
+            <a:endParaRPr lang="en-US" dirty="0"/>
+          </a:p>
+        </p:txBody>
+      </p:sp>
+      <p:pic>
+        <p:nvPicPr>
+          <p:cNvPr id="5" name="Picture 4" descr="Chart&#10;&#10;Description automatically generated">
+            <a:extLst>
+              <a:ext uri="{FF2B5EF4-FFF2-40B4-BE49-F238E27FC236}">
+                <a16:creationId xmlns:a16="http://schemas.microsoft.com/office/drawing/2014/main" id="{4521BA29-7DCF-284B-B041-BEA1DDCA2D9A}"/>
+              </a:ext>
+            </a:extLst>
+          </p:cNvPr>
+          <p:cNvPicPr>
+            <a:picLocks noChangeAspect="1"/>
+          </p:cNvPicPr>
+          <p:nvPr/>
+        </p:nvPicPr>
+        <p:blipFill>
+          <a:blip r:embed="rId2"/>
+          <a:stretch>
+            <a:fillRect/>
+          </a:stretch>
+        </p:blipFill>
+        <p:spPr>
+          <a:xfrm>
+            <a:off x="3483081" y="1000898"/>
+            <a:ext cx="8292908" cy="5053914"/>
+          </a:xfrm>
+          <a:prstGeom prst="rect">
+            <a:avLst/>
+          </a:prstGeom>
+        </p:spPr>
+      </p:pic>
+      <p:sp>
+        <p:nvSpPr>
+          <p:cNvPr id="7" name="TextBox 6">
+            <a:extLst>
+              <a:ext uri="{FF2B5EF4-FFF2-40B4-BE49-F238E27FC236}">
+                <a16:creationId xmlns:a16="http://schemas.microsoft.com/office/drawing/2014/main" id="{DBAD790F-D9E7-6A45-A4C0-6D18A37253D4}"/>
+              </a:ext>
+            </a:extLst>
+          </p:cNvPr>
+          <p:cNvSpPr txBox="1"/>
+          <p:nvPr/>
+        </p:nvSpPr>
+        <p:spPr>
+          <a:xfrm>
+            <a:off x="4550229" y="6308209"/>
+            <a:ext cx="3698064" cy="369332"/>
+          </a:xfrm>
+          <a:prstGeom prst="rect">
+            <a:avLst/>
+          </a:prstGeom>
+          <a:noFill/>
+        </p:spPr>
+        <p:txBody>
+          <a:bodyPr wrap="none" rtlCol="0">
+            <a:spAutoFit/>
+          </a:bodyPr>
+          <a:lstStyle/>
+          <a:p>
+            <a:r>
+              <a:rPr lang="en-US" dirty="0"/>
+              <a:t>News are mainly between 2016-2017</a:t>
+            </a:r>
+          </a:p>
+        </p:txBody>
+      </p:sp>
+    </p:spTree>
+    <p:extLst>
+      <p:ext uri="{BB962C8B-B14F-4D97-AF65-F5344CB8AC3E}">
+        <p14:creationId xmlns:p14="http://schemas.microsoft.com/office/powerpoint/2010/main" val="3352695416"/>
+      </p:ext>
+    </p:extLst>
+  </p:cSld>
+  <p:clrMapOvr>
+    <a:masterClrMapping/>
+  </p:clrMapOvr>
+</p:sld>
+</file>
+
+<file path=ppt/slides/slide11.xml><?xml version="1.0" encoding="utf-8"?>
+<p:sld xmlns:a="http://schemas.openxmlformats.org/drawingml/2006/main" xmlns:r="http://schemas.openxmlformats.org/officeDocument/2006/relationships" xmlns:p="http://schemas.openxmlformats.org/presentationml/2006/main">
+  <p:cSld>
+    <p:spTree>
+      <p:nvGrpSpPr>
+        <p:cNvPr id="1" name=""/>
+        <p:cNvGrpSpPr/>
+        <p:nvPr/>
+      </p:nvGrpSpPr>
+      <p:grpSpPr>
+        <a:xfrm>
+          <a:off x="0" y="0"/>
+          <a:ext cx="0" cy="0"/>
+          <a:chOff x="0" y="0"/>
+          <a:chExt cx="0" cy="0"/>
+        </a:xfrm>
+      </p:grpSpPr>
+      <p:sp>
+        <p:nvSpPr>
+          <p:cNvPr id="2" name="Title 1">
+            <a:extLst>
+              <a:ext uri="{FF2B5EF4-FFF2-40B4-BE49-F238E27FC236}">
                 <a16:creationId xmlns:a16="http://schemas.microsoft.com/office/drawing/2014/main" id="{A0B62F56-A14F-514B-BF26-5BAEBBDB6F0C}"/>
               </a:ext>
             </a:extLst>
@@ -3735,27 +3738,47 @@
         </p:spPr>
         <p:txBody>
           <a:bodyPr vert="horz" lIns="91440" tIns="45720" rIns="91440" bIns="45720" rtlCol="0" anchor="b">
-            <a:normAutofit/>
+            <a:noAutofit/>
           </a:bodyPr>
           <a:lstStyle/>
           <a:p>
             <a:pPr algn="ctr"/>
             <a:r>
-              <a:rPr lang="en-US" sz="2100"/>
+              <a:rPr lang="en-US" sz="2500" dirty="0">
+                <a:solidFill>
+                  <a:schemeClr val="tx1"/>
+                </a:solidFill>
+              </a:rPr>
               <a:t>Data Exploratory</a:t>
             </a:r>
             <a:br>
-              <a:rPr lang="en-US" sz="2100"/>
+              <a:rPr lang="en-US" sz="2500" dirty="0">
+                <a:solidFill>
+                  <a:schemeClr val="tx1"/>
+                </a:solidFill>
+              </a:rPr>
             </a:br>
             <a:r>
-              <a:rPr lang="en-US" sz="2100" b="1"/>
+              <a:rPr lang="en-US" sz="2500" b="1" dirty="0">
+                <a:solidFill>
+                  <a:schemeClr val="tx1"/>
+                </a:solidFill>
+              </a:rPr>
               <a:t>﻿ ﻿﻿Word Clouds</a:t>
             </a:r>
             <a:br>
-              <a:rPr lang="en-US" sz="2100"/>
+              <a:rPr lang="en-US" sz="2500" dirty="0">
+                <a:solidFill>
+                  <a:schemeClr val="tx1"/>
+                </a:solidFill>
+              </a:rPr>
             </a:br>
             <a:r>
-              <a:rPr lang="en-US" sz="2100"/>
+              <a:rPr lang="en-US" sz="2500" dirty="0">
+                <a:solidFill>
+                  <a:schemeClr val="tx1"/>
+                </a:solidFill>
+              </a:rPr>
               <a:t>(Output from Python)</a:t>
             </a:r>
           </a:p>
@@ -3904,7 +3927,7 @@
 </p:sld>
 </file>
 
-<file path=ppt/slides/slide11.xml><?xml version="1.0" encoding="utf-8"?>
+<file path=ppt/slides/slide12.xml><?xml version="1.0" encoding="utf-8"?>
 <p:sld xmlns:a="http://schemas.openxmlformats.org/drawingml/2006/main" xmlns:r="http://schemas.openxmlformats.org/officeDocument/2006/relationships" xmlns:p="http://schemas.openxmlformats.org/presentationml/2006/main">
   <p:cSld>
     <p:spTree>
@@ -3926,7 +3949,7 @@
           <p:cNvPr id="2" name="Title 1">
             <a:extLst>
               <a:ext uri="{FF2B5EF4-FFF2-40B4-BE49-F238E27FC236}">
-                <a16:creationId xmlns:a16="http://schemas.microsoft.com/office/drawing/2014/main" id="{54195C1D-B703-5843-B236-3EC108F7F05A}"/>
+                <a16:creationId xmlns:a16="http://schemas.microsoft.com/office/drawing/2014/main" id="{AB02EECF-F711-5243-9356-1EA032942ED2}"/>
               </a:ext>
             </a:extLst>
           </p:cNvPr>
@@ -3942,39 +3965,46 @@
           <a:bodyPr/>
           <a:lstStyle/>
           <a:p>
-            <a:endParaRPr lang="en-US"/>
-          </a:p>
-        </p:txBody>
-      </p:sp>
-      <p:sp>
-        <p:nvSpPr>
-          <p:cNvPr id="3" name="Content Placeholder 2">
+            <a:r>
+              <a:rPr lang="en-US" dirty="0"/>
+              <a:t>Let's head towards our Practical demonstration </a:t>
+            </a:r>
+          </a:p>
+        </p:txBody>
+      </p:sp>
+      <p:pic>
+        <p:nvPicPr>
+          <p:cNvPr id="5" name="Content Placeholder 4" descr="A picture containing person, indoor&#10;&#10;Description automatically generated">
             <a:extLst>
               <a:ext uri="{FF2B5EF4-FFF2-40B4-BE49-F238E27FC236}">
-                <a16:creationId xmlns:a16="http://schemas.microsoft.com/office/drawing/2014/main" id="{81EA54D4-99F2-AB47-83A1-F75DB62609B5}"/>
+                <a16:creationId xmlns:a16="http://schemas.microsoft.com/office/drawing/2014/main" id="{3BB7F6A2-33EA-814D-8545-EEBB2D2FD63B}"/>
               </a:ext>
             </a:extLst>
           </p:cNvPr>
-          <p:cNvSpPr>
-            <a:spLocks noGrp="1"/>
-          </p:cNvSpPr>
+          <p:cNvPicPr>
+            <a:picLocks noGrp="1" noChangeAspect="1"/>
+          </p:cNvPicPr>
           <p:nvPr>
             <p:ph idx="1"/>
           </p:nvPr>
-        </p:nvSpPr>
-        <p:spPr/>
-        <p:txBody>
-          <a:bodyPr/>
-          <a:lstStyle/>
-          <a:p>
-            <a:endParaRPr lang="en-US"/>
-          </a:p>
-        </p:txBody>
-      </p:sp>
+        </p:nvPicPr>
+        <p:blipFill>
+          <a:blip r:embed="rId2"/>
+          <a:stretch>
+            <a:fillRect/>
+          </a:stretch>
+        </p:blipFill>
+        <p:spPr>
+          <a:xfrm>
+            <a:off x="3954162" y="724257"/>
+            <a:ext cx="7015421" cy="5275748"/>
+          </a:xfrm>
+        </p:spPr>
+      </p:pic>
     </p:spTree>
     <p:extLst>
       <p:ext uri="{BB962C8B-B14F-4D97-AF65-F5344CB8AC3E}">
-        <p14:creationId xmlns:p14="http://schemas.microsoft.com/office/powerpoint/2010/main" val="1548789242"/>
+        <p14:creationId xmlns:p14="http://schemas.microsoft.com/office/powerpoint/2010/main" val="3834463583"/>
       </p:ext>
     </p:extLst>
   </p:cSld>
@@ -3987,6 +4017,31 @@
 <file path=ppt/slides/slide2.xml><?xml version="1.0" encoding="utf-8"?>
 <p:sld xmlns:a="http://schemas.openxmlformats.org/drawingml/2006/main" xmlns:r="http://schemas.openxmlformats.org/officeDocument/2006/relationships" xmlns:p="http://schemas.openxmlformats.org/presentationml/2006/main">
   <p:cSld>
+    <p:bg>
+      <p:bgPr>
+        <a:blipFill dpi="0" rotWithShape="1">
+          <a:blip r:embed="rId2">
+            <a:extLst>
+              <a:ext uri="{BEBA8EAE-BF5A-486C-A8C5-ECC9F3942E4B}">
+                <a14:imgProps xmlns:a14="http://schemas.microsoft.com/office/drawing/2010/main">
+                  <a14:imgLayer r:embed="rId3">
+                    <a14:imgEffect>
+                      <a14:colorTemperature colorTemp="3080"/>
+                    </a14:imgEffect>
+                    <a14:imgEffect>
+                      <a14:saturation sat="30000"/>
+                    </a14:imgEffect>
+                  </a14:imgLayer>
+                </a14:imgProps>
+              </a:ext>
+            </a:extLst>
+          </a:blip>
+          <a:srcRect/>
+          <a:tile tx="0" ty="0" sx="100000" sy="100000" flip="none" algn="tl"/>
+        </a:blipFill>
+        <a:effectLst/>
+      </p:bgPr>
+    </p:bg>
     <p:spTree>
       <p:nvGrpSpPr>
         <p:cNvPr id="1" name=""/>
@@ -4001,6 +4056,58 @@
           <a:chExt cx="0" cy="0"/>
         </a:xfrm>
       </p:grpSpPr>
+      <p:sp useBgFill="1">
+        <p:nvSpPr>
+          <p:cNvPr id="8" name="Rectangle 7">
+            <a:extLst>
+              <a:ext uri="{FF2B5EF4-FFF2-40B4-BE49-F238E27FC236}">
+                <a16:creationId xmlns:a16="http://schemas.microsoft.com/office/drawing/2014/main" id="{80516254-1D9F-4F3A-9870-3A3280BE2BFE}"/>
+              </a:ext>
+              <a:ext uri="{C183D7F6-B498-43B3-948B-1728B52AA6E4}">
+                <adec:decorative xmlns:adec="http://schemas.microsoft.com/office/drawing/2017/decorative" val="1"/>
+              </a:ext>
+            </a:extLst>
+          </p:cNvPr>
+          <p:cNvSpPr>
+            <a:spLocks noGrp="1" noRot="1" noChangeAspect="1" noMove="1" noResize="1" noEditPoints="1" noAdjustHandles="1" noChangeArrowheads="1" noChangeShapeType="1" noTextEdit="1"/>
+          </p:cNvSpPr>
+          <p:nvPr>
+            <p:extLst>
+              <p:ext uri="{386F3935-93C4-4BCD-93E2-E3B085C9AB24}">
+                <p16:designElem xmlns:p16="http://schemas.microsoft.com/office/powerpoint/2015/main" val="1"/>
+              </p:ext>
+            </p:extLst>
+          </p:nvPr>
+        </p:nvSpPr>
+        <p:spPr>
+          <a:xfrm>
+            <a:off x="0" y="0"/>
+            <a:ext cx="12192000" cy="6858000"/>
+          </a:xfrm>
+          <a:prstGeom prst="rect">
+            <a:avLst/>
+          </a:prstGeom>
+          <a:ln>
+            <a:noFill/>
+          </a:ln>
+        </p:spPr>
+        <p:style>
+          <a:lnRef idx="2">
+            <a:schemeClr val="accent1">
+              <a:shade val="50000"/>
+            </a:schemeClr>
+          </a:lnRef>
+          <a:fillRef idx="1">
+            <a:schemeClr val="accent1"/>
+          </a:fillRef>
+          <a:effectRef idx="0">
+            <a:schemeClr val="accent1"/>
+          </a:effectRef>
+          <a:fontRef idx="minor">
+            <a:schemeClr val="lt1"/>
+          </a:fontRef>
+        </p:style>
+      </p:sp>
       <p:sp>
         <p:nvSpPr>
           <p:cNvPr id="2" name="Title 1">
@@ -4017,18 +4124,143 @@
             <p:ph type="title"/>
           </p:nvPr>
         </p:nvSpPr>
-        <p:spPr/>
-        <p:txBody>
-          <a:bodyPr/>
-          <a:lstStyle/>
-          <a:p>
-            <a:r>
-              <a:rPr lang="en-US" dirty="0"/>
+        <p:spPr>
+          <a:xfrm>
+            <a:off x="1539116" y="864108"/>
+            <a:ext cx="3073914" cy="5120639"/>
+          </a:xfrm>
+        </p:spPr>
+        <p:txBody>
+          <a:bodyPr>
+            <a:normAutofit/>
+          </a:bodyPr>
+          <a:lstStyle/>
+          <a:p>
+            <a:pPr algn="r"/>
+            <a:r>
+              <a:rPr lang="en-US" dirty="0">
+                <a:solidFill>
+                  <a:schemeClr val="tx1">
+                    <a:lumMod val="85000"/>
+                    <a:lumOff val="15000"/>
+                  </a:schemeClr>
+                </a:solidFill>
+              </a:rPr>
               <a:t>Proposal of our Project </a:t>
             </a:r>
           </a:p>
         </p:txBody>
       </p:sp>
+      <p:sp>
+        <p:nvSpPr>
+          <p:cNvPr id="10" name="Rectangle 9">
+            <a:extLst>
+              <a:ext uri="{FF2B5EF4-FFF2-40B4-BE49-F238E27FC236}">
+                <a16:creationId xmlns:a16="http://schemas.microsoft.com/office/drawing/2014/main" id="{FC14672B-27A5-4CDA-ABAF-5E4CF4B41C23}"/>
+              </a:ext>
+              <a:ext uri="{C183D7F6-B498-43B3-948B-1728B52AA6E4}">
+                <adec:decorative xmlns:adec="http://schemas.microsoft.com/office/drawing/2017/decorative" val="1"/>
+              </a:ext>
+            </a:extLst>
+          </p:cNvPr>
+          <p:cNvSpPr>
+            <a:spLocks noGrp="1" noRot="1" noChangeAspect="1" noMove="1" noResize="1" noEditPoints="1" noAdjustHandles="1" noChangeArrowheads="1" noChangeShapeType="1" noTextEdit="1"/>
+          </p:cNvSpPr>
+          <p:nvPr>
+            <p:extLst>
+              <p:ext uri="{386F3935-93C4-4BCD-93E2-E3B085C9AB24}">
+                <p16:designElem xmlns:p16="http://schemas.microsoft.com/office/powerpoint/2015/main" val="1"/>
+              </p:ext>
+            </p:extLst>
+          </p:nvPr>
+        </p:nvSpPr>
+        <p:spPr>
+          <a:xfrm>
+            <a:off x="0" y="761999"/>
+            <a:ext cx="1286934" cy="5334001"/>
+          </a:xfrm>
+          <a:prstGeom prst="rect">
+            <a:avLst/>
+          </a:prstGeom>
+          <a:solidFill>
+            <a:schemeClr val="accent1"/>
+          </a:solidFill>
+          <a:ln>
+            <a:noFill/>
+          </a:ln>
+        </p:spPr>
+        <p:style>
+          <a:lnRef idx="2">
+            <a:schemeClr val="accent1">
+              <a:shade val="50000"/>
+            </a:schemeClr>
+          </a:lnRef>
+          <a:fillRef idx="1">
+            <a:schemeClr val="accent1"/>
+          </a:fillRef>
+          <a:effectRef idx="0">
+            <a:schemeClr val="accent1"/>
+          </a:effectRef>
+          <a:fontRef idx="minor">
+            <a:schemeClr val="lt1"/>
+          </a:fontRef>
+        </p:style>
+      </p:sp>
+      <p:cxnSp>
+        <p:nvCxnSpPr>
+          <p:cNvPr id="12" name="Straight Connector 11">
+            <a:extLst>
+              <a:ext uri="{FF2B5EF4-FFF2-40B4-BE49-F238E27FC236}">
+                <a16:creationId xmlns:a16="http://schemas.microsoft.com/office/drawing/2014/main" id="{8D89589C-2C90-4407-A995-05EC3DD7AB14}"/>
+              </a:ext>
+              <a:ext uri="{C183D7F6-B498-43B3-948B-1728B52AA6E4}">
+                <adec:decorative xmlns:adec="http://schemas.microsoft.com/office/drawing/2017/decorative" val="1"/>
+              </a:ext>
+            </a:extLst>
+          </p:cNvPr>
+          <p:cNvCxnSpPr>
+            <a:cxnSpLocks noGrp="1" noRot="1" noChangeAspect="1" noMove="1" noResize="1" noEditPoints="1" noAdjustHandles="1" noChangeArrowheads="1" noChangeShapeType="1"/>
+          </p:cNvCxnSpPr>
+          <p:nvPr>
+            <p:extLst>
+              <p:ext uri="{386F3935-93C4-4BCD-93E2-E3B085C9AB24}">
+                <p16:designElem xmlns:p16="http://schemas.microsoft.com/office/powerpoint/2015/main" val="1"/>
+              </p:ext>
+            </p:extLst>
+          </p:nvPr>
+        </p:nvCxnSpPr>
+        <p:spPr>
+          <a:xfrm>
+            <a:off x="4951129" y="2085681"/>
+            <a:ext cx="0" cy="2686639"/>
+          </a:xfrm>
+          <a:prstGeom prst="line">
+            <a:avLst/>
+          </a:prstGeom>
+          <a:ln w="12700">
+            <a:solidFill>
+              <a:schemeClr val="tx1">
+                <a:lumMod val="50000"/>
+                <a:lumOff val="50000"/>
+              </a:schemeClr>
+            </a:solidFill>
+          </a:ln>
+        </p:spPr>
+        <p:style>
+          <a:lnRef idx="1">
+            <a:schemeClr val="accent1"/>
+          </a:lnRef>
+          <a:fillRef idx="0">
+            <a:schemeClr val="accent1"/>
+          </a:fillRef>
+          <a:effectRef idx="0">
+            <a:schemeClr val="accent1"/>
+          </a:effectRef>
+          <a:fontRef idx="minor">
+            <a:schemeClr val="tx1"/>
+          </a:fontRef>
+        </p:style>
+      </p:cxnSp>
       <p:sp>
         <p:nvSpPr>
           <p:cNvPr id="3" name="Content Placeholder 2">
@@ -4045,11 +4277,102 @@
             <p:ph idx="1"/>
           </p:nvPr>
         </p:nvSpPr>
-        <p:spPr/>
-        <p:txBody>
-          <a:bodyPr/>
-          <a:lstStyle/>
-          <a:p>
+        <p:spPr>
+          <a:xfrm>
+            <a:off x="5289229" y="864108"/>
+            <a:ext cx="5910677" cy="5120640"/>
+          </a:xfrm>
+        </p:spPr>
+        <p:txBody>
+          <a:bodyPr>
+            <a:normAutofit/>
+          </a:bodyPr>
+          <a:lstStyle/>
+          <a:p>
+            <a:r>
+              <a:rPr lang="en-US" sz="3000" dirty="0"/>
+              <a:t>To find out if the News published on the website are “</a:t>
+            </a:r>
+            <a:r>
+              <a:rPr lang="en-US" sz="3000" i="1" dirty="0"/>
+              <a:t>Real</a:t>
+            </a:r>
+            <a:r>
+              <a:rPr lang="en-US" sz="3000" dirty="0"/>
+              <a:t>” or “</a:t>
+            </a:r>
+            <a:r>
+              <a:rPr lang="en-US" sz="3000" i="1" dirty="0"/>
+              <a:t>Fake</a:t>
+            </a:r>
+            <a:r>
+              <a:rPr lang="en-US" sz="3000" dirty="0"/>
+              <a:t>”</a:t>
+            </a:r>
+          </a:p>
+        </p:txBody>
+      </p:sp>
+      <p:sp>
+        <p:nvSpPr>
+          <p:cNvPr id="14" name="Rectangle 13">
+            <a:extLst>
+              <a:ext uri="{FF2B5EF4-FFF2-40B4-BE49-F238E27FC236}">
+                <a16:creationId xmlns:a16="http://schemas.microsoft.com/office/drawing/2014/main" id="{9A206779-5C74-4555-94BC-5845C92EC3A8}"/>
+              </a:ext>
+              <a:ext uri="{C183D7F6-B498-43B3-948B-1728B52AA6E4}">
+                <adec:decorative xmlns:adec="http://schemas.microsoft.com/office/drawing/2017/decorative" val="1"/>
+              </a:ext>
+            </a:extLst>
+          </p:cNvPr>
+          <p:cNvSpPr>
+            <a:spLocks noGrp="1" noRot="1" noChangeAspect="1" noMove="1" noResize="1" noEditPoints="1" noAdjustHandles="1" noChangeArrowheads="1" noChangeShapeType="1" noTextEdit="1"/>
+          </p:cNvSpPr>
+          <p:nvPr>
+            <p:extLst>
+              <p:ext uri="{386F3935-93C4-4BCD-93E2-E3B085C9AB24}">
+                <p16:designElem xmlns:p16="http://schemas.microsoft.com/office/powerpoint/2015/main" val="1"/>
+              </p:ext>
+            </p:extLst>
+          </p:nvPr>
+        </p:nvSpPr>
+        <p:spPr>
+          <a:xfrm>
+            <a:off x="11683988" y="767825"/>
+            <a:ext cx="508012" cy="5328173"/>
+          </a:xfrm>
+          <a:prstGeom prst="rect">
+            <a:avLst/>
+          </a:prstGeom>
+          <a:solidFill>
+            <a:srgbClr val="C8C8C8">
+              <a:alpha val="50000"/>
+            </a:srgbClr>
+          </a:solidFill>
+          <a:ln>
+            <a:noFill/>
+          </a:ln>
+        </p:spPr>
+        <p:style>
+          <a:lnRef idx="2">
+            <a:schemeClr val="accent1">
+              <a:shade val="50000"/>
+            </a:schemeClr>
+          </a:lnRef>
+          <a:fillRef idx="1">
+            <a:schemeClr val="accent1"/>
+          </a:fillRef>
+          <a:effectRef idx="0">
+            <a:schemeClr val="accent1"/>
+          </a:effectRef>
+          <a:fontRef idx="minor">
+            <a:schemeClr val="lt1"/>
+          </a:fontRef>
+        </p:style>
+        <p:txBody>
+          <a:bodyPr rtlCol="0" anchor="ctr"/>
+          <a:lstStyle/>
+          <a:p>
+            <a:pPr algn="ctr"/>
             <a:endParaRPr lang="en-US"/>
           </a:p>
         </p:txBody>
@@ -4089,7 +4412,7 @@
           <p:cNvPr id="2" name="Title 1">
             <a:extLst>
               <a:ext uri="{FF2B5EF4-FFF2-40B4-BE49-F238E27FC236}">
-                <a16:creationId xmlns:a16="http://schemas.microsoft.com/office/drawing/2014/main" id="{C6480B3B-52F8-ED4C-AF9A-F4FAA37F45FC}"/>
+                <a16:creationId xmlns:a16="http://schemas.microsoft.com/office/drawing/2014/main" id="{54195C1D-B703-5843-B236-3EC108F7F05A}"/>
               </a:ext>
             </a:extLst>
           </p:cNvPr>
@@ -4100,16 +4423,22 @@
             <p:ph type="title"/>
           </p:nvPr>
         </p:nvSpPr>
-        <p:spPr/>
-        <p:txBody>
-          <a:bodyPr/>
-          <a:lstStyle/>
-          <a:p>
-            <a:r>
-              <a:rPr lang="en-AU" dirty="0"/>
-              <a:t>Datasets</a:t>
-            </a:r>
-            <a:endParaRPr lang="en-US" dirty="0"/>
+        <p:spPr>
+          <a:xfrm>
+            <a:off x="123568" y="1123837"/>
+            <a:ext cx="3249827" cy="4601183"/>
+          </a:xfrm>
+        </p:spPr>
+        <p:txBody>
+          <a:bodyPr>
+            <a:normAutofit/>
+          </a:bodyPr>
+          <a:lstStyle/>
+          <a:p>
+            <a:r>
+              <a:rPr lang="en-US" sz="4000" dirty="0"/>
+              <a:t>Final Project Requirements:</a:t>
+            </a:r>
           </a:p>
         </p:txBody>
       </p:sp>
@@ -4118,7 +4447,7 @@
           <p:cNvPr id="3" name="Content Placeholder 2">
             <a:extLst>
               <a:ext uri="{FF2B5EF4-FFF2-40B4-BE49-F238E27FC236}">
-                <a16:creationId xmlns:a16="http://schemas.microsoft.com/office/drawing/2014/main" id="{3E0F3B7F-CB62-6548-BC53-4526866F178C}"/>
+                <a16:creationId xmlns:a16="http://schemas.microsoft.com/office/drawing/2014/main" id="{81EA54D4-99F2-AB47-83A1-F75DB62609B5}"/>
               </a:ext>
             </a:extLst>
           </p:cNvPr>
@@ -4135,59 +4464,46 @@
           <a:lstStyle/>
           <a:p>
             <a:r>
-              <a:rPr lang="en-AU" dirty="0"/>
-              <a:t>Fake and real news dataset – </a:t>
-            </a:r>
-            <a:r>
-              <a:rPr lang="en-AU" dirty="0" err="1"/>
-              <a:t>Kaggle.com</a:t>
-            </a:r>
-            <a:endParaRPr lang="en-AU" dirty="0"/>
+              <a:rPr lang="en-AU" sz="3000" dirty="0"/>
+              <a:t>Technologies learned and used in our project:</a:t>
+            </a:r>
           </a:p>
           <a:p>
             <a:pPr lvl="1"/>
             <a:r>
-              <a:rPr lang="en-AU" dirty="0">
-                <a:hlinkClick r:id="rId2"/>
-              </a:rPr>
-              <a:t>https://www.kaggle.com/clmentbisaillon/fake-and-real-news-dataset?select=Fake.csv</a:t>
-            </a:r>
-            <a:endParaRPr lang="en-AU" dirty="0"/>
-          </a:p>
-          <a:p>
-            <a:endParaRPr lang="en-AU" dirty="0"/>
-          </a:p>
-          <a:p>
-            <a:r>
-              <a:rPr lang="en-AU" dirty="0" err="1"/>
-              <a:t>Github</a:t>
-            </a:r>
-            <a:r>
-              <a:rPr lang="en-AU" dirty="0"/>
-              <a:t> repo with headlines from r/</a:t>
-            </a:r>
-            <a:r>
-              <a:rPr lang="en-AU" dirty="0" err="1"/>
-              <a:t>nottheonion</a:t>
-            </a:r>
-            <a:r>
-              <a:rPr lang="en-AU" dirty="0"/>
-              <a:t> and </a:t>
-            </a:r>
-            <a:r>
-              <a:rPr lang="en-AU" dirty="0" err="1"/>
-              <a:t>theonion.com</a:t>
-            </a:r>
-            <a:endParaRPr lang="en-AU" dirty="0"/>
+              <a:rPr lang="en-AU" sz="3000" dirty="0"/>
+              <a:t>Logistic Aggression</a:t>
+            </a:r>
           </a:p>
           <a:p>
             <a:pPr lvl="1"/>
             <a:r>
-              <a:rPr lang="en-AU" dirty="0">
-                <a:hlinkClick r:id="rId3"/>
-              </a:rPr>
-              <a:t>https://github.com/lukefeilberg/onion/blob/master/OnionOrNot</a:t>
-            </a:r>
+              <a:rPr lang="en-AU" sz="3000" dirty="0"/>
+              <a:t>Python Pandas</a:t>
+            </a:r>
+          </a:p>
+          <a:p>
+            <a:pPr lvl="1"/>
+            <a:r>
+              <a:rPr lang="en-AU" sz="3000" dirty="0"/>
+              <a:t>HTML/CSS</a:t>
+            </a:r>
+          </a:p>
+          <a:p>
+            <a:pPr lvl="1"/>
+            <a:r>
+              <a:rPr lang="en-AU" sz="3000" dirty="0"/>
+              <a:t>Tableau</a:t>
+            </a:r>
+          </a:p>
+          <a:p>
+            <a:pPr lvl="1"/>
+            <a:r>
+              <a:rPr lang="en-AU" sz="3000" dirty="0"/>
+              <a:t>Hosting application using Heroku tool. </a:t>
+            </a:r>
+          </a:p>
+          <a:p>
             <a:endParaRPr lang="en-US" dirty="0"/>
           </a:p>
         </p:txBody>
@@ -4195,7 +4511,7 @@
     </p:spTree>
     <p:extLst>
       <p:ext uri="{BB962C8B-B14F-4D97-AF65-F5344CB8AC3E}">
-        <p14:creationId xmlns:p14="http://schemas.microsoft.com/office/powerpoint/2010/main" val="355727535"/>
+        <p14:creationId xmlns:p14="http://schemas.microsoft.com/office/powerpoint/2010/main" val="1548789242"/>
       </p:ext>
     </p:extLst>
   </p:cSld>
@@ -4227,7 +4543,7 @@
           <p:cNvPr id="2" name="Title 1">
             <a:extLst>
               <a:ext uri="{FF2B5EF4-FFF2-40B4-BE49-F238E27FC236}">
-                <a16:creationId xmlns:a16="http://schemas.microsoft.com/office/drawing/2014/main" id="{6EE00697-36A3-42F5-8300-18ECCEB5B2E9}"/>
+                <a16:creationId xmlns:a16="http://schemas.microsoft.com/office/drawing/2014/main" id="{C6480B3B-52F8-ED4C-AF9A-F4FAA37F45FC}"/>
               </a:ext>
             </a:extLst>
           </p:cNvPr>
@@ -4240,13 +4556,16 @@
         </p:nvSpPr>
         <p:spPr/>
         <p:txBody>
-          <a:bodyPr/>
-          <a:lstStyle/>
-          <a:p>
-            <a:r>
-              <a:rPr lang="en-AU" dirty="0"/>
-              <a:t>Cleaning the data</a:t>
-            </a:r>
+          <a:bodyPr>
+            <a:normAutofit/>
+          </a:bodyPr>
+          <a:lstStyle/>
+          <a:p>
+            <a:r>
+              <a:rPr lang="en-AU" sz="4000" dirty="0"/>
+              <a:t>Datasets</a:t>
+            </a:r>
+            <a:endParaRPr lang="en-US" sz="4000" dirty="0"/>
           </a:p>
         </p:txBody>
       </p:sp>
@@ -4255,7 +4574,7 @@
           <p:cNvPr id="3" name="Content Placeholder 2">
             <a:extLst>
               <a:ext uri="{FF2B5EF4-FFF2-40B4-BE49-F238E27FC236}">
-                <a16:creationId xmlns:a16="http://schemas.microsoft.com/office/drawing/2014/main" id="{75AEBD03-20E6-4DD4-8B39-3D0FE3CEFD5D}"/>
+                <a16:creationId xmlns:a16="http://schemas.microsoft.com/office/drawing/2014/main" id="{3E0F3B7F-CB62-6548-BC53-4526866F178C}"/>
               </a:ext>
             </a:extLst>
           </p:cNvPr>
@@ -4268,106 +4587,73 @@
         </p:nvSpPr>
         <p:spPr/>
         <p:txBody>
-          <a:bodyPr/>
-          <a:lstStyle/>
-          <a:p>
-            <a:r>
-              <a:rPr lang="en-AU" dirty="0"/>
-              <a:t>Use of pandas to:</a:t>
-            </a:r>
+          <a:bodyPr>
+            <a:normAutofit/>
+          </a:bodyPr>
+          <a:lstStyle/>
+          <a:p>
+            <a:r>
+              <a:rPr lang="en-AU" sz="2500" dirty="0"/>
+              <a:t>Fake and real news dataset – </a:t>
+            </a:r>
+            <a:r>
+              <a:rPr lang="en-AU" sz="2500" dirty="0" err="1"/>
+              <a:t>Kaggle.com</a:t>
+            </a:r>
+            <a:endParaRPr lang="en-AU" sz="2500" dirty="0"/>
           </a:p>
           <a:p>
             <a:pPr lvl="1"/>
             <a:r>
-              <a:rPr lang="en-AU" dirty="0"/>
-              <a:t>Import the Real and Fake news csv files from Kaggle into </a:t>
-            </a:r>
-            <a:r>
-              <a:rPr lang="en-AU" dirty="0" err="1"/>
-              <a:t>dataframe</a:t>
-            </a:r>
-            <a:endParaRPr lang="en-AU" dirty="0"/>
-          </a:p>
-          <a:p>
-            <a:pPr lvl="2"/>
-            <a:r>
-              <a:rPr lang="en-AU" dirty="0"/>
-              <a:t>Real News = 1</a:t>
-            </a:r>
-          </a:p>
-          <a:p>
-            <a:pPr lvl="2"/>
-            <a:r>
-              <a:rPr lang="en-AU" dirty="0"/>
-              <a:t>Fake News = 0</a:t>
-            </a:r>
+              <a:rPr lang="en-AU" sz="2500" dirty="0">
+                <a:hlinkClick r:id="rId2"/>
+              </a:rPr>
+              <a:t>https://www.kaggle.com/clmentbisaillon/fake-and-real-news-dataset?select=Fake.csv</a:t>
+            </a:r>
+            <a:endParaRPr lang="en-AU" sz="2500" dirty="0"/>
+          </a:p>
+          <a:p>
+            <a:endParaRPr lang="en-AU" sz="2500" dirty="0"/>
+          </a:p>
+          <a:p>
+            <a:r>
+              <a:rPr lang="en-AU" sz="2500" dirty="0" err="1"/>
+              <a:t>Github</a:t>
+            </a:r>
+            <a:r>
+              <a:rPr lang="en-AU" sz="2500" dirty="0"/>
+              <a:t> repo with headlines from r/</a:t>
+            </a:r>
+            <a:r>
+              <a:rPr lang="en-AU" sz="2500" dirty="0" err="1"/>
+              <a:t>nottheonion</a:t>
+            </a:r>
+            <a:r>
+              <a:rPr lang="en-AU" sz="2500" dirty="0"/>
+              <a:t> and </a:t>
+            </a:r>
+            <a:r>
+              <a:rPr lang="en-AU" sz="2500" dirty="0" err="1"/>
+              <a:t>theonion.com</a:t>
+            </a:r>
+            <a:endParaRPr lang="en-AU" sz="2500" dirty="0"/>
           </a:p>
           <a:p>
             <a:pPr lvl="1"/>
             <a:r>
-              <a:rPr lang="en-AU" dirty="0"/>
-              <a:t>Import </a:t>
-            </a:r>
-            <a:r>
-              <a:rPr lang="en-AU" dirty="0" err="1"/>
-              <a:t>OnionOrNot</a:t>
-            </a:r>
-            <a:r>
-              <a:rPr lang="en-AU" dirty="0"/>
-              <a:t> csv into </a:t>
-            </a:r>
-            <a:r>
-              <a:rPr lang="en-AU" dirty="0" err="1"/>
-              <a:t>dataframe</a:t>
-            </a:r>
-            <a:r>
-              <a:rPr lang="en-AU" dirty="0"/>
-              <a:t> and swap the 0 and 1 values to match our system</a:t>
-            </a:r>
-          </a:p>
-          <a:p>
-            <a:pPr lvl="1"/>
-            <a:r>
-              <a:rPr lang="en-AU" dirty="0"/>
-              <a:t>Combine both </a:t>
-            </a:r>
-            <a:r>
-              <a:rPr lang="en-AU" dirty="0" err="1"/>
-              <a:t>dataframes</a:t>
-            </a:r>
-            <a:r>
-              <a:rPr lang="en-AU" dirty="0"/>
-              <a:t> into one </a:t>
-            </a:r>
-            <a:r>
-              <a:rPr lang="en-AU" dirty="0" err="1"/>
-              <a:t>dataframe</a:t>
-            </a:r>
-            <a:endParaRPr lang="en-AU" dirty="0"/>
-          </a:p>
-          <a:p>
-            <a:endParaRPr lang="en-AU" dirty="0"/>
-          </a:p>
-          <a:p>
-            <a:pPr lvl="1"/>
-            <a:endParaRPr lang="en-AU" dirty="0"/>
-          </a:p>
-          <a:p>
-            <a:pPr lvl="1"/>
-            <a:endParaRPr lang="en-AU" dirty="0"/>
-          </a:p>
-          <a:p>
-            <a:pPr marL="457200" lvl="1" indent="0">
-              <a:buNone/>
-            </a:pPr>
-            <a:endParaRPr lang="en-AU" dirty="0"/>
+              <a:rPr lang="en-AU" sz="2500" dirty="0">
+                <a:hlinkClick r:id="rId3"/>
+              </a:rPr>
+              <a:t>https://github.com/lukefeilberg/onion/blob/master/OnionOrNot</a:t>
+            </a:r>
+            <a:endParaRPr lang="en-US" sz="2500" dirty="0"/>
           </a:p>
         </p:txBody>
       </p:sp>
     </p:spTree>
     <p:extLst>
       <p:ext uri="{BB962C8B-B14F-4D97-AF65-F5344CB8AC3E}">
-        <p14:creationId xmlns:p14="http://schemas.microsoft.com/office/powerpoint/2010/main" val="554229601"/>
+        <p14:creationId xmlns:p14="http://schemas.microsoft.com/office/powerpoint/2010/main" val="355727535"/>
       </p:ext>
     </p:extLst>
   </p:cSld>
@@ -4412,12 +4698,14 @@
         </p:nvSpPr>
         <p:spPr/>
         <p:txBody>
-          <a:bodyPr/>
-          <a:lstStyle/>
-          <a:p>
-            <a:r>
-              <a:rPr lang="en-AU" dirty="0"/>
-              <a:t>Machine Learning</a:t>
+          <a:bodyPr>
+            <a:normAutofit/>
+          </a:bodyPr>
+          <a:lstStyle/>
+          <a:p>
+            <a:r>
+              <a:rPr lang="en-AU" sz="4000" dirty="0"/>
+              <a:t>Cleaning the data</a:t>
             </a:r>
           </a:p>
         </p:txBody>
@@ -4444,46 +4732,102 @@
           <a:lstStyle/>
           <a:p>
             <a:r>
-              <a:rPr lang="en-AU" dirty="0"/>
-              <a:t>Removal of stop words</a:t>
-            </a:r>
-          </a:p>
-          <a:p>
-            <a:r>
-              <a:rPr lang="en-AU" dirty="0"/>
-              <a:t>Train Test Split – 75-25 split</a:t>
-            </a:r>
-          </a:p>
-          <a:p>
-            <a:r>
-              <a:rPr lang="en-AU" dirty="0"/>
-              <a:t>Count vectorizer to create matrix of counts for each word in headline</a:t>
-            </a:r>
-          </a:p>
-          <a:p>
-            <a:r>
-              <a:rPr lang="en-AU" dirty="0"/>
-              <a:t>Use of Logistic Regression</a:t>
-            </a:r>
-          </a:p>
-          <a:p>
-            <a:r>
-              <a:rPr lang="en-AU" dirty="0"/>
-              <a:t>Tested our model using Area Under Curve (ROC_AUC) which gave us 94% accuracy</a:t>
-            </a:r>
-          </a:p>
-          <a:p>
-            <a:r>
-              <a:rPr lang="en-AU" dirty="0"/>
-              <a:t>Save model and count vectorizer for use on the website</a:t>
-            </a:r>
+              <a:rPr lang="en-AU" sz="2500" dirty="0"/>
+              <a:t>Use of pandas to:</a:t>
+            </a:r>
+          </a:p>
+          <a:p>
+            <a:pPr lvl="1"/>
+            <a:r>
+              <a:rPr lang="en-AU" sz="2500" dirty="0"/>
+              <a:t>Import the Real and Fake news csv files from Kaggle into </a:t>
+            </a:r>
+            <a:r>
+              <a:rPr lang="en-AU" sz="2500" dirty="0" err="1"/>
+              <a:t>dataframe</a:t>
+            </a:r>
+            <a:endParaRPr lang="en-AU" sz="2500" dirty="0"/>
+          </a:p>
+          <a:p>
+            <a:pPr lvl="2"/>
+            <a:r>
+              <a:rPr lang="en-AU" sz="2500" dirty="0"/>
+              <a:t>Real News = 1</a:t>
+            </a:r>
+          </a:p>
+          <a:p>
+            <a:pPr lvl="2"/>
+            <a:r>
+              <a:rPr lang="en-AU" sz="2500" dirty="0"/>
+              <a:t>Fake News = 0</a:t>
+            </a:r>
+          </a:p>
+          <a:p>
+            <a:pPr lvl="1"/>
+            <a:r>
+              <a:rPr lang="en-AU" sz="2500" dirty="0"/>
+              <a:t>Import </a:t>
+            </a:r>
+            <a:r>
+              <a:rPr lang="en-AU" sz="2500" dirty="0" err="1"/>
+              <a:t>OnionOrNot</a:t>
+            </a:r>
+            <a:r>
+              <a:rPr lang="en-AU" sz="2500" dirty="0"/>
+              <a:t> csv into </a:t>
+            </a:r>
+            <a:r>
+              <a:rPr lang="en-AU" sz="2500" dirty="0" err="1"/>
+              <a:t>dataframe</a:t>
+            </a:r>
+            <a:r>
+              <a:rPr lang="en-AU" sz="2500" dirty="0"/>
+              <a:t> and swap the 0 and 1 values to match our system</a:t>
+            </a:r>
+          </a:p>
+          <a:p>
+            <a:pPr lvl="1"/>
+            <a:r>
+              <a:rPr lang="en-AU" sz="2500" dirty="0"/>
+              <a:t>Combine both </a:t>
+            </a:r>
+            <a:r>
+              <a:rPr lang="en-AU" sz="2500" dirty="0" err="1"/>
+              <a:t>dataframes</a:t>
+            </a:r>
+            <a:r>
+              <a:rPr lang="en-AU" sz="2500" dirty="0"/>
+              <a:t> into one </a:t>
+            </a:r>
+            <a:r>
+              <a:rPr lang="en-AU" sz="2500" dirty="0" err="1"/>
+              <a:t>dataframe</a:t>
+            </a:r>
+            <a:endParaRPr lang="en-AU" sz="2500" dirty="0"/>
+          </a:p>
+          <a:p>
+            <a:endParaRPr lang="en-AU" dirty="0"/>
+          </a:p>
+          <a:p>
+            <a:pPr lvl="1"/>
+            <a:endParaRPr lang="en-AU" dirty="0"/>
+          </a:p>
+          <a:p>
+            <a:pPr lvl="1"/>
+            <a:endParaRPr lang="en-AU" dirty="0"/>
+          </a:p>
+          <a:p>
+            <a:pPr marL="457200" lvl="1" indent="0">
+              <a:buNone/>
+            </a:pPr>
+            <a:endParaRPr lang="en-AU" dirty="0"/>
           </a:p>
         </p:txBody>
       </p:sp>
     </p:spTree>
     <p:extLst>
       <p:ext uri="{BB962C8B-B14F-4D97-AF65-F5344CB8AC3E}">
-        <p14:creationId xmlns:p14="http://schemas.microsoft.com/office/powerpoint/2010/main" val="3328868952"/>
+        <p14:creationId xmlns:p14="http://schemas.microsoft.com/office/powerpoint/2010/main" val="554229601"/>
       </p:ext>
     </p:extLst>
   </p:cSld>
@@ -4526,6 +4870,126 @@
             <p:ph type="title"/>
           </p:nvPr>
         </p:nvSpPr>
+        <p:spPr/>
+        <p:txBody>
+          <a:bodyPr>
+            <a:normAutofit/>
+          </a:bodyPr>
+          <a:lstStyle/>
+          <a:p>
+            <a:r>
+              <a:rPr lang="en-AU" sz="4000" dirty="0"/>
+              <a:t>Machine Learning</a:t>
+            </a:r>
+          </a:p>
+        </p:txBody>
+      </p:sp>
+      <p:sp>
+        <p:nvSpPr>
+          <p:cNvPr id="3" name="Content Placeholder 2">
+            <a:extLst>
+              <a:ext uri="{FF2B5EF4-FFF2-40B4-BE49-F238E27FC236}">
+                <a16:creationId xmlns:a16="http://schemas.microsoft.com/office/drawing/2014/main" id="{75AEBD03-20E6-4DD4-8B39-3D0FE3CEFD5D}"/>
+              </a:ext>
+            </a:extLst>
+          </p:cNvPr>
+          <p:cNvSpPr>
+            <a:spLocks noGrp="1"/>
+          </p:cNvSpPr>
+          <p:nvPr>
+            <p:ph idx="1"/>
+          </p:nvPr>
+        </p:nvSpPr>
+        <p:spPr/>
+        <p:txBody>
+          <a:bodyPr>
+            <a:normAutofit/>
+          </a:bodyPr>
+          <a:lstStyle/>
+          <a:p>
+            <a:r>
+              <a:rPr lang="en-AU" sz="2500" dirty="0"/>
+              <a:t>Removal of stop words</a:t>
+            </a:r>
+          </a:p>
+          <a:p>
+            <a:r>
+              <a:rPr lang="en-AU" sz="2500" dirty="0"/>
+              <a:t>Train Test Split – 75-25 split</a:t>
+            </a:r>
+          </a:p>
+          <a:p>
+            <a:r>
+              <a:rPr lang="en-AU" sz="2500" dirty="0"/>
+              <a:t>Count vectorizer to create matrix of counts for each word in headline</a:t>
+            </a:r>
+          </a:p>
+          <a:p>
+            <a:r>
+              <a:rPr lang="en-AU" sz="2500" dirty="0"/>
+              <a:t>Use of Logistic Regression</a:t>
+            </a:r>
+          </a:p>
+          <a:p>
+            <a:r>
+              <a:rPr lang="en-AU" sz="2500" dirty="0"/>
+              <a:t>Tested our model using Area Under Curve (ROC_AUC) which gave us 94% accuracy</a:t>
+            </a:r>
+          </a:p>
+          <a:p>
+            <a:r>
+              <a:rPr lang="en-AU" sz="2500" dirty="0"/>
+              <a:t>Save model and count vectorizer for use on the website</a:t>
+            </a:r>
+          </a:p>
+        </p:txBody>
+      </p:sp>
+    </p:spTree>
+    <p:extLst>
+      <p:ext uri="{BB962C8B-B14F-4D97-AF65-F5344CB8AC3E}">
+        <p14:creationId xmlns:p14="http://schemas.microsoft.com/office/powerpoint/2010/main" val="3328868952"/>
+      </p:ext>
+    </p:extLst>
+  </p:cSld>
+  <p:clrMapOvr>
+    <a:masterClrMapping/>
+  </p:clrMapOvr>
+</p:sld>
+</file>
+
+<file path=ppt/slides/slide7.xml><?xml version="1.0" encoding="utf-8"?>
+<p:sld xmlns:a="http://schemas.openxmlformats.org/drawingml/2006/main" xmlns:r="http://schemas.openxmlformats.org/officeDocument/2006/relationships" xmlns:p="http://schemas.openxmlformats.org/presentationml/2006/main">
+  <p:cSld>
+    <p:spTree>
+      <p:nvGrpSpPr>
+        <p:cNvPr id="1" name=""/>
+        <p:cNvGrpSpPr/>
+        <p:nvPr/>
+      </p:nvGrpSpPr>
+      <p:grpSpPr>
+        <a:xfrm>
+          <a:off x="0" y="0"/>
+          <a:ext cx="0" cy="0"/>
+          <a:chOff x="0" y="0"/>
+          <a:chExt cx="0" cy="0"/>
+        </a:xfrm>
+      </p:grpSpPr>
+      <p:sp>
+        <p:nvSpPr>
+          <p:cNvPr id="2" name="Title 1">
+            <a:extLst>
+              <a:ext uri="{FF2B5EF4-FFF2-40B4-BE49-F238E27FC236}">
+                <a16:creationId xmlns:a16="http://schemas.microsoft.com/office/drawing/2014/main" id="{6EE00697-36A3-42F5-8300-18ECCEB5B2E9}"/>
+              </a:ext>
+            </a:extLst>
+          </p:cNvPr>
+          <p:cNvSpPr>
+            <a:spLocks noGrp="1"/>
+          </p:cNvSpPr>
+          <p:nvPr>
+            <p:ph type="title"/>
+          </p:nvPr>
+        </p:nvSpPr>
         <p:spPr>
           <a:xfrm>
             <a:off x="838200" y="365125"/>
@@ -4533,11 +4997,17 @@
           </a:xfrm>
         </p:spPr>
         <p:txBody>
-          <a:bodyPr/>
-          <a:lstStyle/>
-          <a:p>
-            <a:r>
-              <a:rPr lang="en-AU" dirty="0"/>
+          <a:bodyPr>
+            <a:normAutofit/>
+          </a:bodyPr>
+          <a:lstStyle/>
+          <a:p>
+            <a:r>
+              <a:rPr lang="en-AU" sz="4000" dirty="0">
+                <a:solidFill>
+                  <a:schemeClr val="tx1"/>
+                </a:solidFill>
+              </a:rPr>
               <a:t>Machine Learning – Confusion Matrix</a:t>
             </a:r>
           </a:p>
@@ -4573,7 +5043,7 @@
         </p:blipFill>
         <p:spPr>
           <a:xfrm>
-            <a:off x="2312504" y="1289190"/>
+            <a:off x="2703443" y="1304316"/>
             <a:ext cx="7566991" cy="5044661"/>
           </a:xfrm>
         </p:spPr>
@@ -4933,7 +5403,7 @@
 </p:sld>
 </file>
 
-<file path=ppt/slides/slide7.xml><?xml version="1.0" encoding="utf-8"?>
+<file path=ppt/slides/slide8.xml><?xml version="1.0" encoding="utf-8"?>
 <p:sld xmlns:a="http://schemas.openxmlformats.org/drawingml/2006/main" xmlns:r="http://schemas.openxmlformats.org/officeDocument/2006/relationships" xmlns:p="http://schemas.openxmlformats.org/presentationml/2006/main">
   <p:cSld>
     <p:spTree>
@@ -4968,7 +5438,7 @@
         </p:nvSpPr>
         <p:spPr>
           <a:xfrm>
-            <a:off x="2135981" y="1061357"/>
+            <a:off x="195970" y="1283778"/>
             <a:ext cx="7920038" cy="707572"/>
           </a:xfrm>
         </p:spPr>
@@ -5035,7 +5505,7 @@
         </p:blipFill>
         <p:spPr>
           <a:xfrm>
-            <a:off x="2939675" y="1768929"/>
+            <a:off x="4805546" y="1991350"/>
             <a:ext cx="6312650" cy="4683579"/>
           </a:xfrm>
           <a:prstGeom prst="rect">
@@ -5082,162 +5552,6 @@
     <p:extLst>
       <p:ext uri="{BB962C8B-B14F-4D97-AF65-F5344CB8AC3E}">
         <p14:creationId xmlns:p14="http://schemas.microsoft.com/office/powerpoint/2010/main" val="2757170648"/>
-      </p:ext>
-    </p:extLst>
-  </p:cSld>
-  <p:clrMapOvr>
-    <a:masterClrMapping/>
-  </p:clrMapOvr>
-</p:sld>
-</file>
-
-<file path=ppt/slides/slide8.xml><?xml version="1.0" encoding="utf-8"?>
-<p:sld xmlns:a="http://schemas.openxmlformats.org/drawingml/2006/main" xmlns:r="http://schemas.openxmlformats.org/officeDocument/2006/relationships" xmlns:p="http://schemas.openxmlformats.org/presentationml/2006/main">
-  <p:cSld>
-    <p:spTree>
-      <p:nvGrpSpPr>
-        <p:cNvPr id="1" name=""/>
-        <p:cNvGrpSpPr/>
-        <p:nvPr/>
-      </p:nvGrpSpPr>
-      <p:grpSpPr>
-        <a:xfrm>
-          <a:off x="0" y="0"/>
-          <a:ext cx="0" cy="0"/>
-          <a:chOff x="0" y="0"/>
-          <a:chExt cx="0" cy="0"/>
-        </a:xfrm>
-      </p:grpSpPr>
-      <p:sp>
-        <p:nvSpPr>
-          <p:cNvPr id="2" name="Title 1">
-            <a:extLst>
-              <a:ext uri="{FF2B5EF4-FFF2-40B4-BE49-F238E27FC236}">
-                <a16:creationId xmlns:a16="http://schemas.microsoft.com/office/drawing/2014/main" id="{7D59C390-B698-8244-AE3A-032900976BE5}"/>
-              </a:ext>
-            </a:extLst>
-          </p:cNvPr>
-          <p:cNvSpPr>
-            <a:spLocks noGrp="1"/>
-          </p:cNvSpPr>
-          <p:nvPr>
-            <p:ph type="title"/>
-          </p:nvPr>
-        </p:nvSpPr>
-        <p:spPr/>
-        <p:txBody>
-          <a:bodyPr>
-            <a:normAutofit/>
-          </a:bodyPr>
-          <a:lstStyle/>
-          <a:p>
-            <a:pPr algn="ctr"/>
-            <a:r>
-              <a:rPr lang="en-US" sz="3600" dirty="0"/>
-              <a:t>Data Exploratory</a:t>
-            </a:r>
-            <a:br>
-              <a:rPr lang="en-US" sz="3600" dirty="0"/>
-            </a:br>
-            <a:r>
-              <a:rPr lang="en-US" sz="3600" b="1" dirty="0"/>
-              <a:t>﻿</a:t>
-            </a:r>
-            <a:r>
-              <a:rPr lang="en-US" sz="3600" b="1" dirty="0">
-                <a:solidFill>
-                  <a:schemeClr val="accent2">
-                    <a:lumMod val="60000"/>
-                    <a:lumOff val="40000"/>
-                  </a:schemeClr>
-                </a:solidFill>
-              </a:rPr>
-              <a:t> ﻿</a:t>
-            </a:r>
-            <a:r>
-              <a:rPr lang="en-US" sz="3600" b="1" dirty="0"/>
-              <a:t>News Categories Counts</a:t>
-            </a:r>
-            <a:br>
-              <a:rPr lang="en-US" dirty="0"/>
-            </a:br>
-            <a:r>
-              <a:rPr lang="en-US" sz="2200" dirty="0"/>
-              <a:t>(Output from Tableau)</a:t>
-            </a:r>
-            <a:endParaRPr lang="en-US" dirty="0"/>
-          </a:p>
-        </p:txBody>
-      </p:sp>
-      <p:pic>
-        <p:nvPicPr>
-          <p:cNvPr id="11" name="Picture 10" descr="Chart, bar chart&#10;&#10;Description automatically generated">
-            <a:extLst>
-              <a:ext uri="{FF2B5EF4-FFF2-40B4-BE49-F238E27FC236}">
-                <a16:creationId xmlns:a16="http://schemas.microsoft.com/office/drawing/2014/main" id="{3BE32333-BBB4-DA4A-94F5-F95413206243}"/>
-              </a:ext>
-            </a:extLst>
-          </p:cNvPr>
-          <p:cNvPicPr>
-            <a:picLocks noChangeAspect="1"/>
-          </p:cNvPicPr>
-          <p:nvPr/>
-        </p:nvPicPr>
-        <p:blipFill>
-          <a:blip r:embed="rId2"/>
-          <a:stretch>
-            <a:fillRect/>
-          </a:stretch>
-        </p:blipFill>
-        <p:spPr>
-          <a:xfrm>
-            <a:off x="2257872" y="1811709"/>
-            <a:ext cx="7676256" cy="4240747"/>
-          </a:xfrm>
-          <a:prstGeom prst="rect">
-            <a:avLst/>
-          </a:prstGeom>
-        </p:spPr>
-      </p:pic>
-      <p:sp>
-        <p:nvSpPr>
-          <p:cNvPr id="12" name="TextBox 11">
-            <a:extLst>
-              <a:ext uri="{FF2B5EF4-FFF2-40B4-BE49-F238E27FC236}">
-                <a16:creationId xmlns:a16="http://schemas.microsoft.com/office/drawing/2014/main" id="{65264831-8899-464C-A54A-4576ED55CE4A}"/>
-              </a:ext>
-            </a:extLst>
-          </p:cNvPr>
-          <p:cNvSpPr txBox="1"/>
-          <p:nvPr/>
-        </p:nvSpPr>
-        <p:spPr>
-          <a:xfrm>
-            <a:off x="3962400" y="6308209"/>
-            <a:ext cx="4795608" cy="369332"/>
-          </a:xfrm>
-          <a:prstGeom prst="rect">
-            <a:avLst/>
-          </a:prstGeom>
-          <a:noFill/>
-        </p:spPr>
-        <p:txBody>
-          <a:bodyPr wrap="none" rtlCol="0">
-            <a:spAutoFit/>
-          </a:bodyPr>
-          <a:lstStyle/>
-          <a:p>
-            <a:r>
-              <a:rPr lang="en-US" dirty="0"/>
-              <a:t>Politics news dominates one third of the datasets</a:t>
-            </a:r>
-          </a:p>
-        </p:txBody>
-      </p:sp>
-    </p:spTree>
-    <p:extLst>
-      <p:ext uri="{BB962C8B-B14F-4D97-AF65-F5344CB8AC3E}">
-        <p14:creationId xmlns:p14="http://schemas.microsoft.com/office/powerpoint/2010/main" val="4023863476"/>
       </p:ext>
     </p:extLst>
   </p:cSld>
@@ -5269,7 +5583,7 @@
           <p:cNvPr id="2" name="Title 1">
             <a:extLst>
               <a:ext uri="{FF2B5EF4-FFF2-40B4-BE49-F238E27FC236}">
-                <a16:creationId xmlns:a16="http://schemas.microsoft.com/office/drawing/2014/main" id="{95B5A5EE-D474-B042-B406-F827B98DB6CD}"/>
+                <a16:creationId xmlns:a16="http://schemas.microsoft.com/office/drawing/2014/main" id="{7D59C390-B698-8244-AE3A-032900976BE5}"/>
               </a:ext>
             </a:extLst>
           </p:cNvPr>
@@ -5312,10 +5626,10 @@
             </a:r>
             <a:r>
               <a:rPr lang="en-US" sz="3600" b="1" dirty="0"/>
-              <a:t>﻿Count of Dates</a:t>
+              <a:t>News Categories Counts</a:t>
             </a:r>
             <a:br>
-              <a:rPr lang="en-US" sz="3600" dirty="0"/>
+              <a:rPr lang="en-US" dirty="0"/>
             </a:br>
             <a:r>
               <a:rPr lang="en-US" sz="2200" dirty="0"/>
@@ -5327,10 +5641,10 @@
       </p:sp>
       <p:pic>
         <p:nvPicPr>
-          <p:cNvPr id="5" name="Picture 4" descr="Chart&#10;&#10;Description automatically generated">
+          <p:cNvPr id="11" name="Picture 10" descr="Chart, bar chart&#10;&#10;Description automatically generated">
             <a:extLst>
               <a:ext uri="{FF2B5EF4-FFF2-40B4-BE49-F238E27FC236}">
-                <a16:creationId xmlns:a16="http://schemas.microsoft.com/office/drawing/2014/main" id="{4521BA29-7DCF-284B-B041-BEA1DDCA2D9A}"/>
+                <a16:creationId xmlns:a16="http://schemas.microsoft.com/office/drawing/2014/main" id="{3BE32333-BBB4-DA4A-94F5-F95413206243}"/>
               </a:ext>
             </a:extLst>
           </p:cNvPr>
@@ -5347,8 +5661,8 @@
         </p:blipFill>
         <p:spPr>
           <a:xfrm>
-            <a:off x="2457470" y="1690688"/>
-            <a:ext cx="7845262" cy="4252912"/>
+            <a:off x="3629472" y="1304054"/>
+            <a:ext cx="7676256" cy="4240747"/>
           </a:xfrm>
           <a:prstGeom prst="rect">
             <a:avLst/>
@@ -5357,10 +5671,10 @@
       </p:pic>
       <p:sp>
         <p:nvSpPr>
-          <p:cNvPr id="7" name="TextBox 6">
+          <p:cNvPr id="12" name="TextBox 11">
             <a:extLst>
               <a:ext uri="{FF2B5EF4-FFF2-40B4-BE49-F238E27FC236}">
-                <a16:creationId xmlns:a16="http://schemas.microsoft.com/office/drawing/2014/main" id="{DBAD790F-D9E7-6A45-A4C0-6D18A37253D4}"/>
+                <a16:creationId xmlns:a16="http://schemas.microsoft.com/office/drawing/2014/main" id="{65264831-8899-464C-A54A-4576ED55CE4A}"/>
               </a:ext>
             </a:extLst>
           </p:cNvPr>
@@ -5369,8 +5683,8 @@
         </p:nvSpPr>
         <p:spPr>
           <a:xfrm>
-            <a:off x="4550229" y="6308209"/>
-            <a:ext cx="3698064" cy="369332"/>
+            <a:off x="3962400" y="6308209"/>
+            <a:ext cx="4795608" cy="369332"/>
           </a:xfrm>
           <a:prstGeom prst="rect">
             <a:avLst/>
@@ -5385,7 +5699,7 @@
           <a:p>
             <a:r>
               <a:rPr lang="en-US" dirty="0"/>
-              <a:t>News are mainly between 2016-2017</a:t>
+              <a:t>Politics news dominates one third of the datasets</a:t>
             </a:r>
           </a:p>
         </p:txBody>
@@ -5393,7 +5707,7 @@
     </p:spTree>
     <p:extLst>
       <p:ext uri="{BB962C8B-B14F-4D97-AF65-F5344CB8AC3E}">
-        <p14:creationId xmlns:p14="http://schemas.microsoft.com/office/powerpoint/2010/main" val="3352695416"/>
+        <p14:creationId xmlns:p14="http://schemas.microsoft.com/office/powerpoint/2010/main" val="4023863476"/>
       </p:ext>
     </p:extLst>
   </p:cSld>

--- a/Project 3 - Final Presentation.pptx
+++ b/Project 3 - Final Presentation.pptx
@@ -115,6 +115,11 @@
       </a:defRPr>
     </a:lvl9pPr>
   </p:defaultTextStyle>
+  <p:extLst>
+    <p:ext uri="{EFAFB233-063F-42B5-8137-9DF3F51BA10A}">
+      <p15:sldGuideLst xmlns:p15="http://schemas.microsoft.com/office/powerpoint/2012/main"/>
+    </p:ext>
+  </p:extLst>
 </p:presentation>
 </file>
 
@@ -343,7 +348,7 @@
             <a:fld id="{5586B75A-687E-405C-8A0B-8D00578BA2C3}" type="datetimeFigureOut">
               <a:rPr lang="en-US" dirty="0"/>
               <a:pPr/>
-              <a:t>2/16/21</a:t>
+              <a:t>2/18/21</a:t>
             </a:fld>
             <a:endParaRPr lang="en-US" dirty="0"/>
           </a:p>
@@ -510,7 +515,7 @@
             <a:fld id="{5586B75A-687E-405C-8A0B-8D00578BA2C3}" type="datetimeFigureOut">
               <a:rPr lang="en-US" dirty="0"/>
               <a:pPr/>
-              <a:t>2/16/21</a:t>
+              <a:t>2/18/21</a:t>
             </a:fld>
             <a:endParaRPr lang="en-US" dirty="0"/>
           </a:p>
@@ -687,7 +692,7 @@
             <a:fld id="{5586B75A-687E-405C-8A0B-8D00578BA2C3}" type="datetimeFigureOut">
               <a:rPr lang="en-US" dirty="0"/>
               <a:pPr/>
-              <a:t>2/16/21</a:t>
+              <a:t>2/18/21</a:t>
             </a:fld>
             <a:endParaRPr lang="en-US" dirty="0"/>
           </a:p>
@@ -854,7 +859,7 @@
             <a:fld id="{5586B75A-687E-405C-8A0B-8D00578BA2C3}" type="datetimeFigureOut">
               <a:rPr lang="en-US" dirty="0"/>
               <a:pPr/>
-              <a:t>2/16/21</a:t>
+              <a:t>2/18/21</a:t>
             </a:fld>
             <a:endParaRPr lang="en-US" dirty="0"/>
           </a:p>
@@ -1109,7 +1114,7 @@
             <a:fld id="{5586B75A-687E-405C-8A0B-8D00578BA2C3}" type="datetimeFigureOut">
               <a:rPr lang="en-US" dirty="0"/>
               <a:pPr/>
-              <a:t>2/16/21</a:t>
+              <a:t>2/18/21</a:t>
             </a:fld>
             <a:endParaRPr lang="en-US" dirty="0"/>
           </a:p>
@@ -1394,7 +1399,7 @@
             <a:fld id="{5586B75A-687E-405C-8A0B-8D00578BA2C3}" type="datetimeFigureOut">
               <a:rPr lang="en-US" dirty="0"/>
               <a:pPr/>
-              <a:t>2/16/21</a:t>
+              <a:t>2/18/21</a:t>
             </a:fld>
             <a:endParaRPr lang="en-US" dirty="0"/>
           </a:p>
@@ -1833,7 +1838,7 @@
             <a:fld id="{5586B75A-687E-405C-8A0B-8D00578BA2C3}" type="datetimeFigureOut">
               <a:rPr lang="en-US" dirty="0"/>
               <a:pPr/>
-              <a:t>2/16/21</a:t>
+              <a:t>2/18/21</a:t>
             </a:fld>
             <a:endParaRPr lang="en-US" dirty="0"/>
           </a:p>
@@ -1948,7 +1953,7 @@
             <a:fld id="{5586B75A-687E-405C-8A0B-8D00578BA2C3}" type="datetimeFigureOut">
               <a:rPr lang="en-US" dirty="0"/>
               <a:pPr/>
-              <a:t>2/16/21</a:t>
+              <a:t>2/18/21</a:t>
             </a:fld>
             <a:endParaRPr lang="en-US" dirty="0"/>
           </a:p>
@@ -2040,7 +2045,7 @@
             <a:fld id="{5586B75A-687E-405C-8A0B-8D00578BA2C3}" type="datetimeFigureOut">
               <a:rPr lang="en-US" dirty="0"/>
               <a:pPr/>
-              <a:t>2/16/21</a:t>
+              <a:t>2/18/21</a:t>
             </a:fld>
             <a:endParaRPr lang="en-US" dirty="0"/>
           </a:p>
@@ -2325,7 +2330,7 @@
             <a:fld id="{5586B75A-687E-405C-8A0B-8D00578BA2C3}" type="datetimeFigureOut">
               <a:rPr lang="en-US" dirty="0"/>
               <a:pPr/>
-              <a:t>2/16/21</a:t>
+              <a:t>2/18/21</a:t>
             </a:fld>
             <a:endParaRPr lang="en-US" dirty="0"/>
           </a:p>
@@ -2595,7 +2600,7 @@
             <a:fld id="{5586B75A-687E-405C-8A0B-8D00578BA2C3}" type="datetimeFigureOut">
               <a:rPr lang="en-US" dirty="0"/>
               <a:pPr/>
-              <a:t>2/16/21</a:t>
+              <a:t>2/18/21</a:t>
             </a:fld>
             <a:endParaRPr lang="en-US" dirty="0"/>
           </a:p>
@@ -2909,7 +2914,7 @@
             <a:fld id="{5586B75A-687E-405C-8A0B-8D00578BA2C3}" type="datetimeFigureOut">
               <a:rPr lang="en-US" dirty="0"/>
               <a:pPr/>
-              <a:t>2/16/21</a:t>
+              <a:t>2/18/21</a:t>
             </a:fld>
             <a:endParaRPr lang="en-US" dirty="0"/>
           </a:p>
@@ -3498,17 +3503,30 @@
           <a:lstStyle/>
           <a:p>
             <a:r>
-              <a:rPr lang="en-US" sz="2400">
+              <a:rPr lang="en-US" sz="2400" dirty="0">
                 <a:solidFill>
                   <a:schemeClr val="tx1"/>
                 </a:solidFill>
               </a:rPr>
-              <a:t>Matthew Belesvski</a:t>
-            </a:r>
-          </a:p>
-          <a:p>
-            <a:r>
-              <a:rPr lang="en-US" sz="2400">
+              <a:t>Matthew </a:t>
+            </a:r>
+            <a:r>
+              <a:rPr lang="en-US" sz="2400" dirty="0" err="1">
+                <a:solidFill>
+                  <a:schemeClr val="tx1"/>
+                </a:solidFill>
+              </a:rPr>
+              <a:t>Belevski</a:t>
+            </a:r>
+            <a:endParaRPr lang="en-US" sz="2400" dirty="0">
+              <a:solidFill>
+                <a:schemeClr val="tx1"/>
+              </a:solidFill>
+            </a:endParaRPr>
+          </a:p>
+          <a:p>
+            <a:r>
+              <a:rPr lang="en-US" sz="2400" dirty="0">
                 <a:solidFill>
                   <a:schemeClr val="tx1"/>
                 </a:solidFill>
@@ -3518,7 +3536,7 @@
           </a:p>
           <a:p>
             <a:r>
-              <a:rPr lang="en-US" sz="2400">
+              <a:rPr lang="en-US" sz="2400" dirty="0">
                 <a:solidFill>
                   <a:schemeClr val="tx1"/>
                 </a:solidFill>
@@ -4001,6 +4019,43 @@
           </a:xfrm>
         </p:spPr>
       </p:pic>
+      <p:sp>
+        <p:nvSpPr>
+          <p:cNvPr id="3" name="Rectangle 2">
+            <a:extLst>
+              <a:ext uri="{FF2B5EF4-FFF2-40B4-BE49-F238E27FC236}">
+                <a16:creationId xmlns:a16="http://schemas.microsoft.com/office/drawing/2014/main" id="{799059E3-93BD-CA47-B0F5-37B16FD3E05C}"/>
+              </a:ext>
+            </a:extLst>
+          </p:cNvPr>
+          <p:cNvSpPr/>
+          <p:nvPr/>
+        </p:nvSpPr>
+        <p:spPr>
+          <a:xfrm>
+            <a:off x="5170372" y="6228834"/>
+            <a:ext cx="2841355" cy="369332"/>
+          </a:xfrm>
+          <a:prstGeom prst="rect">
+            <a:avLst/>
+          </a:prstGeom>
+        </p:spPr>
+        <p:txBody>
+          <a:bodyPr wrap="none">
+            <a:spAutoFit/>
+          </a:bodyPr>
+          <a:lstStyle/>
+          <a:p>
+            <a:r>
+              <a:rPr lang="en-US" dirty="0">
+                <a:hlinkClick r:id="rId3"/>
+              </a:rPr>
+              <a:t>IS IT REAL OR FAKE NEWS?</a:t>
+            </a:r>
+            <a:endParaRPr lang="en-US" dirty="0"/>
+          </a:p>
+        </p:txBody>
+      </p:sp>
     </p:spTree>
     <p:extLst>
       <p:ext uri="{BB962C8B-B14F-4D97-AF65-F5344CB8AC3E}">
@@ -4472,7 +4527,7 @@
             <a:pPr lvl="1"/>
             <a:r>
               <a:rPr lang="en-AU" sz="3000" dirty="0"/>
-              <a:t>Logistic Aggression</a:t>
+              <a:t>Logistic Regression</a:t>
             </a:r>
           </a:p>
           <a:p>
